--- a/CAPM-DAY-10/CAPM-10.pptx
+++ b/CAPM-DAY-10/CAPM-10.pptx
@@ -5,11 +5,12 @@
     <p:sldMasterId id="2147483648" r:id="rId1"/>
   </p:sldMasterIdLst>
   <p:notesMasterIdLst>
-    <p:notesMasterId r:id="rId4"/>
+    <p:notesMasterId r:id="rId5"/>
   </p:notesMasterIdLst>
   <p:sldIdLst>
     <p:sldId id="256" r:id="rId2"/>
     <p:sldId id="257" r:id="rId3"/>
+    <p:sldId id="258" r:id="rId4"/>
   </p:sldIdLst>
   <p:sldSz cx="12192000" cy="6858000"/>
   <p:notesSz cx="6858000" cy="9144000"/>
@@ -108,6 +109,11 @@
       </a:defRPr>
     </a:lvl9pPr>
   </p:defaultTextStyle>
+  <p:extLst>
+    <p:ext uri="{EFAFB233-063F-42B5-8137-9DF3F51BA10A}">
+      <p15:sldGuideLst xmlns:p15="http://schemas.microsoft.com/office/powerpoint/2012/main"/>
+    </p:ext>
+  </p:extLst>
 </p:presentation>
 </file>
 
@@ -877,7 +883,7 @@
           <a:p>
             <a:fld id="{A5CD54AC-F298-4D3B-8C69-71800F15EAC3}" type="datetimeFigureOut">
               <a:rPr lang="en-US" smtClean="0"/>
-              <a:t>5/8/2024</a:t>
+              <a:t>5/9/2024</a:t>
             </a:fld>
             <a:endParaRPr lang="en-US"/>
           </a:p>
@@ -1375,7 +1381,7 @@
           <a:p>
             <a:fld id="{2C3B68F5-01BD-44AE-A4B2-9F4661C723B8}" type="datetimeFigureOut">
               <a:rPr lang="en-US" smtClean="0"/>
-              <a:t>5/8/2024</a:t>
+              <a:t>5/9/2024</a:t>
             </a:fld>
             <a:endParaRPr lang="en-US"/>
           </a:p>
@@ -1573,7 +1579,7 @@
           <a:p>
             <a:fld id="{2C3B68F5-01BD-44AE-A4B2-9F4661C723B8}" type="datetimeFigureOut">
               <a:rPr lang="en-US" smtClean="0"/>
-              <a:t>5/8/2024</a:t>
+              <a:t>5/9/2024</a:t>
             </a:fld>
             <a:endParaRPr lang="en-US"/>
           </a:p>
@@ -1781,7 +1787,7 @@
           <a:p>
             <a:fld id="{2C3B68F5-01BD-44AE-A4B2-9F4661C723B8}" type="datetimeFigureOut">
               <a:rPr lang="en-US" smtClean="0"/>
-              <a:t>5/8/2024</a:t>
+              <a:t>5/9/2024</a:t>
             </a:fld>
             <a:endParaRPr lang="en-US"/>
           </a:p>
@@ -1979,7 +1985,7 @@
           <a:p>
             <a:fld id="{2C3B68F5-01BD-44AE-A4B2-9F4661C723B8}" type="datetimeFigureOut">
               <a:rPr lang="en-US" smtClean="0"/>
-              <a:t>5/8/2024</a:t>
+              <a:t>5/9/2024</a:t>
             </a:fld>
             <a:endParaRPr lang="en-US"/>
           </a:p>
@@ -2254,7 +2260,7 @@
           <a:p>
             <a:fld id="{2C3B68F5-01BD-44AE-A4B2-9F4661C723B8}" type="datetimeFigureOut">
               <a:rPr lang="en-US" smtClean="0"/>
-              <a:t>5/8/2024</a:t>
+              <a:t>5/9/2024</a:t>
             </a:fld>
             <a:endParaRPr lang="en-US"/>
           </a:p>
@@ -2519,7 +2525,7 @@
           <a:p>
             <a:fld id="{2C3B68F5-01BD-44AE-A4B2-9F4661C723B8}" type="datetimeFigureOut">
               <a:rPr lang="en-US" smtClean="0"/>
-              <a:t>5/8/2024</a:t>
+              <a:t>5/9/2024</a:t>
             </a:fld>
             <a:endParaRPr lang="en-US"/>
           </a:p>
@@ -2931,7 +2937,7 @@
           <a:p>
             <a:fld id="{2C3B68F5-01BD-44AE-A4B2-9F4661C723B8}" type="datetimeFigureOut">
               <a:rPr lang="en-US" smtClean="0"/>
-              <a:t>5/8/2024</a:t>
+              <a:t>5/9/2024</a:t>
             </a:fld>
             <a:endParaRPr lang="en-US"/>
           </a:p>
@@ -3072,7 +3078,7 @@
           <a:p>
             <a:fld id="{2C3B68F5-01BD-44AE-A4B2-9F4661C723B8}" type="datetimeFigureOut">
               <a:rPr lang="en-US" smtClean="0"/>
-              <a:t>5/8/2024</a:t>
+              <a:t>5/9/2024</a:t>
             </a:fld>
             <a:endParaRPr lang="en-US"/>
           </a:p>
@@ -3185,7 +3191,7 @@
           <a:p>
             <a:fld id="{2C3B68F5-01BD-44AE-A4B2-9F4661C723B8}" type="datetimeFigureOut">
               <a:rPr lang="en-US" smtClean="0"/>
-              <a:t>5/8/2024</a:t>
+              <a:t>5/9/2024</a:t>
             </a:fld>
             <a:endParaRPr lang="en-US"/>
           </a:p>
@@ -3496,7 +3502,7 @@
           <a:p>
             <a:fld id="{2C3B68F5-01BD-44AE-A4B2-9F4661C723B8}" type="datetimeFigureOut">
               <a:rPr lang="en-US" smtClean="0"/>
-              <a:t>5/8/2024</a:t>
+              <a:t>5/9/2024</a:t>
             </a:fld>
             <a:endParaRPr lang="en-US"/>
           </a:p>
@@ -3784,7 +3790,7 @@
           <a:p>
             <a:fld id="{2C3B68F5-01BD-44AE-A4B2-9F4661C723B8}" type="datetimeFigureOut">
               <a:rPr lang="en-US" smtClean="0"/>
-              <a:t>5/8/2024</a:t>
+              <a:t>5/9/2024</a:t>
             </a:fld>
             <a:endParaRPr lang="en-US"/>
           </a:p>
@@ -4025,7 +4031,7 @@
           <a:p>
             <a:fld id="{2C3B68F5-01BD-44AE-A4B2-9F4661C723B8}" type="datetimeFigureOut">
               <a:rPr lang="en-US" smtClean="0"/>
-              <a:t>5/8/2024</a:t>
+              <a:t>5/9/2024</a:t>
             </a:fld>
             <a:endParaRPr lang="en-US"/>
           </a:p>
@@ -7217,6 +7223,624 @@
 </p:sld>
 </file>
 
+<file path=ppt/slides/slide3.xml><?xml version="1.0" encoding="utf-8"?>
+<p:sld xmlns:a="http://schemas.openxmlformats.org/drawingml/2006/main" xmlns:r="http://schemas.openxmlformats.org/officeDocument/2006/relationships" xmlns:p="http://schemas.openxmlformats.org/presentationml/2006/main">
+  <p:cSld>
+    <p:spTree>
+      <p:nvGrpSpPr>
+        <p:cNvPr id="1" name=""/>
+        <p:cNvGrpSpPr/>
+        <p:nvPr/>
+      </p:nvGrpSpPr>
+      <p:grpSpPr>
+        <a:xfrm>
+          <a:off x="0" y="0"/>
+          <a:ext cx="0" cy="0"/>
+          <a:chOff x="0" y="0"/>
+          <a:chExt cx="0" cy="0"/>
+        </a:xfrm>
+      </p:grpSpPr>
+      <p:sp>
+        <p:nvSpPr>
+          <p:cNvPr id="2" name="Title 1">
+            <a:extLst>
+              <a:ext uri="{FF2B5EF4-FFF2-40B4-BE49-F238E27FC236}">
+                <a16:creationId xmlns:a16="http://schemas.microsoft.com/office/drawing/2014/main" id="{43A49DD8-62A7-CD20-CE3F-0FBEB4F9914E}"/>
+              </a:ext>
+            </a:extLst>
+          </p:cNvPr>
+          <p:cNvSpPr>
+            <a:spLocks noGrp="1"/>
+          </p:cNvSpPr>
+          <p:nvPr>
+            <p:ph type="title"/>
+          </p:nvPr>
+        </p:nvSpPr>
+        <p:spPr>
+          <a:xfrm>
+            <a:off x="362712" y="438277"/>
+            <a:ext cx="10515600" cy="631571"/>
+          </a:xfrm>
+        </p:spPr>
+        <p:txBody>
+          <a:bodyPr>
+            <a:normAutofit/>
+          </a:bodyPr>
+          <a:lstStyle/>
+          <a:p>
+            <a:r>
+              <a:rPr lang="en-IN" sz="2800" b="1" dirty="0"/>
+              <a:t>Case 1- Build Side by Side Fiori App</a:t>
+            </a:r>
+            <a:endParaRPr lang="en-US" sz="2800" b="1" dirty="0"/>
+          </a:p>
+        </p:txBody>
+      </p:sp>
+      <p:sp>
+        <p:nvSpPr>
+          <p:cNvPr id="4" name="Rectangle: Rounded Corners 3">
+            <a:extLst>
+              <a:ext uri="{FF2B5EF4-FFF2-40B4-BE49-F238E27FC236}">
+                <a16:creationId xmlns:a16="http://schemas.microsoft.com/office/drawing/2014/main" id="{42395351-B592-F172-C579-D88ACCCE2069}"/>
+              </a:ext>
+            </a:extLst>
+          </p:cNvPr>
+          <p:cNvSpPr/>
+          <p:nvPr/>
+        </p:nvSpPr>
+        <p:spPr>
+          <a:xfrm>
+            <a:off x="627126" y="2119123"/>
+            <a:ext cx="3307164" cy="512064"/>
+          </a:xfrm>
+          <a:prstGeom prst="roundRect">
+            <a:avLst/>
+          </a:prstGeom>
+          <a:solidFill>
+            <a:schemeClr val="accent4">
+              <a:lumMod val="60000"/>
+              <a:lumOff val="40000"/>
+            </a:schemeClr>
+          </a:solidFill>
+        </p:spPr>
+        <p:style>
+          <a:lnRef idx="3">
+            <a:schemeClr val="lt1"/>
+          </a:lnRef>
+          <a:fillRef idx="1">
+            <a:schemeClr val="accent4"/>
+          </a:fillRef>
+          <a:effectRef idx="1">
+            <a:schemeClr val="accent4"/>
+          </a:effectRef>
+          <a:fontRef idx="minor">
+            <a:schemeClr val="lt1"/>
+          </a:fontRef>
+        </p:style>
+        <p:txBody>
+          <a:bodyPr rtlCol="0" anchor="ctr"/>
+          <a:lstStyle/>
+          <a:p>
+            <a:pPr algn="ctr"/>
+            <a:r>
+              <a:rPr lang="en-IN" dirty="0">
+                <a:solidFill>
+                  <a:schemeClr val="tx1">
+                    <a:lumMod val="95000"/>
+                    <a:lumOff val="5000"/>
+                  </a:schemeClr>
+                </a:solidFill>
+              </a:rPr>
+              <a:t>BAS (Fiori Dev space)</a:t>
+            </a:r>
+            <a:endParaRPr lang="en-US" dirty="0">
+              <a:solidFill>
+                <a:schemeClr val="tx1">
+                  <a:lumMod val="95000"/>
+                  <a:lumOff val="5000"/>
+                </a:schemeClr>
+              </a:solidFill>
+            </a:endParaRPr>
+          </a:p>
+        </p:txBody>
+      </p:sp>
+      <p:sp>
+        <p:nvSpPr>
+          <p:cNvPr id="6" name="Rectangle: Rounded Corners 5">
+            <a:extLst>
+              <a:ext uri="{FF2B5EF4-FFF2-40B4-BE49-F238E27FC236}">
+                <a16:creationId xmlns:a16="http://schemas.microsoft.com/office/drawing/2014/main" id="{4D2C9BB6-72B5-94DC-3DC9-BDE144DF79E3}"/>
+              </a:ext>
+            </a:extLst>
+          </p:cNvPr>
+          <p:cNvSpPr/>
+          <p:nvPr/>
+        </p:nvSpPr>
+        <p:spPr>
+          <a:xfrm>
+            <a:off x="8760714" y="2962655"/>
+            <a:ext cx="2066544" cy="512064"/>
+          </a:xfrm>
+          <a:prstGeom prst="roundRect">
+            <a:avLst/>
+          </a:prstGeom>
+          <a:solidFill>
+            <a:srgbClr val="00B050"/>
+          </a:solidFill>
+        </p:spPr>
+        <p:style>
+          <a:lnRef idx="3">
+            <a:schemeClr val="lt1"/>
+          </a:lnRef>
+          <a:fillRef idx="1">
+            <a:schemeClr val="accent4"/>
+          </a:fillRef>
+          <a:effectRef idx="1">
+            <a:schemeClr val="accent4"/>
+          </a:effectRef>
+          <a:fontRef idx="minor">
+            <a:schemeClr val="lt1"/>
+          </a:fontRef>
+        </p:style>
+        <p:txBody>
+          <a:bodyPr rtlCol="0" anchor="ctr"/>
+          <a:lstStyle/>
+          <a:p>
+            <a:pPr algn="ctr"/>
+            <a:r>
+              <a:rPr lang="en-IN" dirty="0">
+                <a:solidFill>
+                  <a:schemeClr val="bg1"/>
+                </a:solidFill>
+              </a:rPr>
+              <a:t>ERP</a:t>
+            </a:r>
+            <a:r>
+              <a:rPr lang="en-IN" dirty="0">
+                <a:solidFill>
+                  <a:schemeClr val="tx1">
+                    <a:lumMod val="95000"/>
+                    <a:lumOff val="5000"/>
+                  </a:schemeClr>
+                </a:solidFill>
+              </a:rPr>
+              <a:t> </a:t>
+            </a:r>
+            <a:r>
+              <a:rPr lang="en-IN" dirty="0" err="1">
+                <a:solidFill>
+                  <a:schemeClr val="bg1"/>
+                </a:solidFill>
+              </a:rPr>
+              <a:t>Odata</a:t>
+            </a:r>
+            <a:endParaRPr lang="en-US" dirty="0">
+              <a:solidFill>
+                <a:schemeClr val="bg1"/>
+              </a:solidFill>
+            </a:endParaRPr>
+          </a:p>
+        </p:txBody>
+      </p:sp>
+      <p:grpSp>
+        <p:nvGrpSpPr>
+          <p:cNvPr id="19" name="Group 18">
+            <a:extLst>
+              <a:ext uri="{FF2B5EF4-FFF2-40B4-BE49-F238E27FC236}">
+                <a16:creationId xmlns:a16="http://schemas.microsoft.com/office/drawing/2014/main" id="{FBEE2773-67F1-13F3-B762-8B70199C9B9D}"/>
+              </a:ext>
+            </a:extLst>
+          </p:cNvPr>
+          <p:cNvGrpSpPr/>
+          <p:nvPr/>
+        </p:nvGrpSpPr>
+        <p:grpSpPr>
+          <a:xfrm>
+            <a:off x="627126" y="2688335"/>
+            <a:ext cx="4101846" cy="786384"/>
+            <a:chOff x="1069848" y="2807207"/>
+            <a:chExt cx="4672584" cy="786384"/>
+          </a:xfrm>
+        </p:grpSpPr>
+        <p:sp>
+          <p:nvSpPr>
+            <p:cNvPr id="5" name="Rectangle: Rounded Corners 4">
+              <a:extLst>
+                <a:ext uri="{FF2B5EF4-FFF2-40B4-BE49-F238E27FC236}">
+                  <a16:creationId xmlns:a16="http://schemas.microsoft.com/office/drawing/2014/main" id="{8117B8B8-3FCA-EC7F-566F-1BECD6F29590}"/>
+                </a:ext>
+              </a:extLst>
+            </p:cNvPr>
+            <p:cNvSpPr/>
+            <p:nvPr/>
+          </p:nvSpPr>
+          <p:spPr>
+            <a:xfrm>
+              <a:off x="1069848" y="2807207"/>
+              <a:ext cx="3767328" cy="786384"/>
+            </a:xfrm>
+            <a:prstGeom prst="roundRect">
+              <a:avLst/>
+            </a:prstGeom>
+            <a:solidFill>
+              <a:schemeClr val="accent3">
+                <a:lumMod val="40000"/>
+                <a:lumOff val="60000"/>
+              </a:schemeClr>
+            </a:solidFill>
+          </p:spPr>
+          <p:style>
+            <a:lnRef idx="3">
+              <a:schemeClr val="lt1"/>
+            </a:lnRef>
+            <a:fillRef idx="1">
+              <a:schemeClr val="accent4"/>
+            </a:fillRef>
+            <a:effectRef idx="1">
+              <a:schemeClr val="accent4"/>
+            </a:effectRef>
+            <a:fontRef idx="minor">
+              <a:schemeClr val="lt1"/>
+            </a:fontRef>
+          </p:style>
+          <p:txBody>
+            <a:bodyPr rtlCol="0" anchor="ctr"/>
+            <a:lstStyle/>
+            <a:p>
+              <a:pPr algn="ctr"/>
+              <a:r>
+                <a:rPr lang="en-IN" dirty="0">
+                  <a:solidFill>
+                    <a:schemeClr val="tx1">
+                      <a:lumMod val="95000"/>
+                      <a:lumOff val="5000"/>
+                    </a:schemeClr>
+                  </a:solidFill>
+                </a:rPr>
+                <a:t>SAP BTP</a:t>
+              </a:r>
+              <a:endParaRPr lang="en-US" dirty="0">
+                <a:solidFill>
+                  <a:schemeClr val="tx1">
+                    <a:lumMod val="95000"/>
+                    <a:lumOff val="5000"/>
+                  </a:schemeClr>
+                </a:solidFill>
+              </a:endParaRPr>
+            </a:p>
+          </p:txBody>
+        </p:sp>
+        <p:sp>
+          <p:nvSpPr>
+            <p:cNvPr id="7" name="Rectangle: Rounded Corners 6">
+              <a:extLst>
+                <a:ext uri="{FF2B5EF4-FFF2-40B4-BE49-F238E27FC236}">
+                  <a16:creationId xmlns:a16="http://schemas.microsoft.com/office/drawing/2014/main" id="{CAF41DC4-8141-A56C-B87F-517B3B5FDAAD}"/>
+                </a:ext>
+              </a:extLst>
+            </p:cNvPr>
+            <p:cNvSpPr/>
+            <p:nvPr/>
+          </p:nvSpPr>
+          <p:spPr>
+            <a:xfrm>
+              <a:off x="3790188" y="3022092"/>
+              <a:ext cx="1952244" cy="356616"/>
+            </a:xfrm>
+            <a:prstGeom prst="roundRect">
+              <a:avLst/>
+            </a:prstGeom>
+            <a:solidFill>
+              <a:schemeClr val="accent1">
+                <a:lumMod val="20000"/>
+                <a:lumOff val="80000"/>
+              </a:schemeClr>
+            </a:solidFill>
+          </p:spPr>
+          <p:style>
+            <a:lnRef idx="3">
+              <a:schemeClr val="lt1"/>
+            </a:lnRef>
+            <a:fillRef idx="1">
+              <a:schemeClr val="accent4"/>
+            </a:fillRef>
+            <a:effectRef idx="1">
+              <a:schemeClr val="accent4"/>
+            </a:effectRef>
+            <a:fontRef idx="minor">
+              <a:schemeClr val="lt1"/>
+            </a:fontRef>
+          </p:style>
+          <p:txBody>
+            <a:bodyPr rtlCol="0" anchor="ctr"/>
+            <a:lstStyle/>
+            <a:p>
+              <a:pPr algn="ctr"/>
+              <a:r>
+                <a:rPr lang="en-IN" dirty="0">
+                  <a:solidFill>
+                    <a:schemeClr val="tx1">
+                      <a:lumMod val="95000"/>
+                      <a:lumOff val="5000"/>
+                    </a:schemeClr>
+                  </a:solidFill>
+                </a:rPr>
+                <a:t>Destination</a:t>
+              </a:r>
+              <a:endParaRPr lang="en-US" dirty="0">
+                <a:solidFill>
+                  <a:schemeClr val="tx1">
+                    <a:lumMod val="95000"/>
+                    <a:lumOff val="5000"/>
+                  </a:schemeClr>
+                </a:solidFill>
+              </a:endParaRPr>
+            </a:p>
+          </p:txBody>
+        </p:sp>
+      </p:grpSp>
+      <p:cxnSp>
+        <p:nvCxnSpPr>
+          <p:cNvPr id="11" name="Straight Connector 10">
+            <a:extLst>
+              <a:ext uri="{FF2B5EF4-FFF2-40B4-BE49-F238E27FC236}">
+                <a16:creationId xmlns:a16="http://schemas.microsoft.com/office/drawing/2014/main" id="{0CCF5681-6F74-6C6D-79BB-F5CFF8A93316}"/>
+              </a:ext>
+            </a:extLst>
+          </p:cNvPr>
+          <p:cNvCxnSpPr/>
+          <p:nvPr/>
+        </p:nvCxnSpPr>
+        <p:spPr>
+          <a:xfrm>
+            <a:off x="6795516" y="658368"/>
+            <a:ext cx="91440" cy="5705856"/>
+          </a:xfrm>
+          <a:prstGeom prst="line">
+            <a:avLst/>
+          </a:prstGeom>
+          <a:ln w="19050" cap="flat" cmpd="sng" algn="ctr">
+            <a:solidFill>
+              <a:srgbClr val="FF0000"/>
+            </a:solidFill>
+            <a:prstDash val="dash"/>
+            <a:round/>
+            <a:headEnd type="none" w="med" len="med"/>
+            <a:tailEnd type="none" w="med" len="med"/>
+          </a:ln>
+        </p:spPr>
+        <p:style>
+          <a:lnRef idx="0">
+            <a:scrgbClr r="0" g="0" b="0"/>
+          </a:lnRef>
+          <a:fillRef idx="0">
+            <a:scrgbClr r="0" g="0" b="0"/>
+          </a:fillRef>
+          <a:effectRef idx="0">
+            <a:scrgbClr r="0" g="0" b="0"/>
+          </a:effectRef>
+          <a:fontRef idx="minor">
+            <a:schemeClr val="tx1"/>
+          </a:fontRef>
+        </p:style>
+      </p:cxnSp>
+      <p:sp>
+        <p:nvSpPr>
+          <p:cNvPr id="12" name="Flowchart: Connector 11">
+            <a:extLst>
+              <a:ext uri="{FF2B5EF4-FFF2-40B4-BE49-F238E27FC236}">
+                <a16:creationId xmlns:a16="http://schemas.microsoft.com/office/drawing/2014/main" id="{2827E6CE-F05D-7562-079C-C1173861EED5}"/>
+              </a:ext>
+            </a:extLst>
+          </p:cNvPr>
+          <p:cNvSpPr/>
+          <p:nvPr/>
+        </p:nvSpPr>
+        <p:spPr>
+          <a:xfrm>
+            <a:off x="6179820" y="2882553"/>
+            <a:ext cx="1481328" cy="1422075"/>
+          </a:xfrm>
+          <a:prstGeom prst="flowChartConnector">
+            <a:avLst/>
+          </a:prstGeom>
+          <a:ln>
+            <a:noFill/>
+          </a:ln>
+        </p:spPr>
+        <p:style>
+          <a:lnRef idx="2">
+            <a:schemeClr val="accent4">
+              <a:shade val="15000"/>
+            </a:schemeClr>
+          </a:lnRef>
+          <a:fillRef idx="1">
+            <a:schemeClr val="accent4"/>
+          </a:fillRef>
+          <a:effectRef idx="0">
+            <a:schemeClr val="accent4"/>
+          </a:effectRef>
+          <a:fontRef idx="minor">
+            <a:schemeClr val="lt1"/>
+          </a:fontRef>
+        </p:style>
+        <p:txBody>
+          <a:bodyPr rtlCol="0" anchor="ctr"/>
+          <a:lstStyle/>
+          <a:p>
+            <a:pPr algn="ctr"/>
+            <a:r>
+              <a:rPr lang="en-IN" sz="1400" b="1" dirty="0"/>
+              <a:t>SAP Cloud Connector</a:t>
+            </a:r>
+            <a:endParaRPr lang="en-US" sz="1400" b="1" dirty="0"/>
+          </a:p>
+        </p:txBody>
+      </p:sp>
+      <p:cxnSp>
+        <p:nvCxnSpPr>
+          <p:cNvPr id="14" name="Connector: Elbow 13">
+            <a:extLst>
+              <a:ext uri="{FF2B5EF4-FFF2-40B4-BE49-F238E27FC236}">
+                <a16:creationId xmlns:a16="http://schemas.microsoft.com/office/drawing/2014/main" id="{564F0EFE-E86F-B648-0732-01ADA7EFB5A1}"/>
+              </a:ext>
+            </a:extLst>
+          </p:cNvPr>
+          <p:cNvCxnSpPr>
+            <a:stCxn id="7" idx="3"/>
+            <a:endCxn id="12" idx="2"/>
+          </p:cNvCxnSpPr>
+          <p:nvPr/>
+        </p:nvCxnSpPr>
+        <p:spPr>
+          <a:xfrm>
+            <a:off x="4728972" y="3081528"/>
+            <a:ext cx="1450848" cy="512063"/>
+          </a:xfrm>
+          <a:prstGeom prst="bentConnector3">
+            <a:avLst/>
+          </a:prstGeom>
+          <a:ln>
+            <a:tailEnd type="triangle"/>
+          </a:ln>
+        </p:spPr>
+        <p:style>
+          <a:lnRef idx="2">
+            <a:schemeClr val="accent1"/>
+          </a:lnRef>
+          <a:fillRef idx="0">
+            <a:schemeClr val="accent1"/>
+          </a:fillRef>
+          <a:effectRef idx="1">
+            <a:schemeClr val="accent1"/>
+          </a:effectRef>
+          <a:fontRef idx="minor">
+            <a:schemeClr val="tx1"/>
+          </a:fontRef>
+        </p:style>
+      </p:cxnSp>
+      <p:cxnSp>
+        <p:nvCxnSpPr>
+          <p:cNvPr id="17" name="Connector: Elbow 16">
+            <a:extLst>
+              <a:ext uri="{FF2B5EF4-FFF2-40B4-BE49-F238E27FC236}">
+                <a16:creationId xmlns:a16="http://schemas.microsoft.com/office/drawing/2014/main" id="{57C87B0E-65DB-A217-1E62-5012385D7B33}"/>
+              </a:ext>
+            </a:extLst>
+          </p:cNvPr>
+          <p:cNvCxnSpPr>
+            <a:stCxn id="12" idx="6"/>
+            <a:endCxn id="6" idx="1"/>
+          </p:cNvCxnSpPr>
+          <p:nvPr/>
+        </p:nvCxnSpPr>
+        <p:spPr>
+          <a:xfrm flipV="1">
+            <a:off x="7661148" y="3218687"/>
+            <a:ext cx="1099566" cy="374904"/>
+          </a:xfrm>
+          <a:prstGeom prst="bentConnector3">
+            <a:avLst/>
+          </a:prstGeom>
+          <a:ln>
+            <a:tailEnd type="triangle"/>
+          </a:ln>
+        </p:spPr>
+        <p:style>
+          <a:lnRef idx="2">
+            <a:schemeClr val="accent1"/>
+          </a:lnRef>
+          <a:fillRef idx="0">
+            <a:schemeClr val="accent1"/>
+          </a:fillRef>
+          <a:effectRef idx="1">
+            <a:schemeClr val="accent1"/>
+          </a:effectRef>
+          <a:fontRef idx="minor">
+            <a:schemeClr val="tx1"/>
+          </a:fontRef>
+        </p:style>
+      </p:cxnSp>
+      <p:sp>
+        <p:nvSpPr>
+          <p:cNvPr id="23" name="TextBox 22">
+            <a:extLst>
+              <a:ext uri="{FF2B5EF4-FFF2-40B4-BE49-F238E27FC236}">
+                <a16:creationId xmlns:a16="http://schemas.microsoft.com/office/drawing/2014/main" id="{D53E3B5D-1A20-46A8-F3BD-167B2E51E60F}"/>
+              </a:ext>
+            </a:extLst>
+          </p:cNvPr>
+          <p:cNvSpPr txBox="1"/>
+          <p:nvPr/>
+        </p:nvSpPr>
+        <p:spPr>
+          <a:xfrm>
+            <a:off x="776197" y="4825759"/>
+            <a:ext cx="5367047" cy="923330"/>
+          </a:xfrm>
+          <a:prstGeom prst="rect">
+            <a:avLst/>
+          </a:prstGeom>
+          <a:noFill/>
+        </p:spPr>
+        <p:txBody>
+          <a:bodyPr wrap="none" rtlCol="0">
+            <a:spAutoFit/>
+          </a:bodyPr>
+          <a:lstStyle/>
+          <a:p>
+            <a:r>
+              <a:rPr lang="en-IN" b="1" dirty="0">
+                <a:highlight>
+                  <a:srgbClr val="FFFF00"/>
+                </a:highlight>
+              </a:rPr>
+              <a:t>Using destination in BTP the SAP cloud connector </a:t>
+            </a:r>
+          </a:p>
+          <a:p>
+            <a:r>
+              <a:rPr lang="en-IN" b="1" dirty="0">
+                <a:highlight>
+                  <a:srgbClr val="FFFF00"/>
+                </a:highlight>
+              </a:rPr>
+              <a:t>is accessed f</a:t>
+            </a:r>
+            <a:r>
+              <a:rPr lang="en-US" b="1" dirty="0">
+                <a:highlight>
+                  <a:srgbClr val="FFFF00"/>
+                </a:highlight>
+              </a:rPr>
+              <a:t>rom SAP cloud connector </a:t>
+            </a:r>
+          </a:p>
+          <a:p>
+            <a:r>
+              <a:rPr lang="en-US" b="1" dirty="0">
+                <a:highlight>
+                  <a:srgbClr val="FFFF00"/>
+                </a:highlight>
+              </a:rPr>
+              <a:t>SAP ERP on-premise or ECC is accessed.</a:t>
+            </a:r>
+          </a:p>
+        </p:txBody>
+      </p:sp>
+    </p:spTree>
+    <p:extLst>
+      <p:ext uri="{BB962C8B-B14F-4D97-AF65-F5344CB8AC3E}">
+        <p14:creationId xmlns:p14="http://schemas.microsoft.com/office/powerpoint/2010/main" val="785455062"/>
+      </p:ext>
+    </p:extLst>
+  </p:cSld>
+  <p:clrMapOvr>
+    <a:masterClrMapping/>
+  </p:clrMapOvr>
+</p:sld>
+</file>
+
 <file path=ppt/theme/theme1.xml><?xml version="1.0" encoding="utf-8"?>
 <a:theme xmlns:a="http://schemas.openxmlformats.org/drawingml/2006/main" name="Office Theme">
   <a:themeElements>

--- a/CAPM-DAY-10/CAPM-10.pptx
+++ b/CAPM-DAY-10/CAPM-10.pptx
@@ -4707,7 +4707,7 @@
               <a:pPr algn="ctr"/>
               <a:r>
                 <a:rPr lang="en-GB" b="1" dirty="0"/>
-                <a:t>In app extension</a:t>
+                <a:t>In app Extension</a:t>
               </a:r>
               <a:endParaRPr lang="en-US" b="1" dirty="0"/>
             </a:p>

--- a/CAPM-DAY-10/CAPM-10.pptx
+++ b/CAPM-DAY-10/CAPM-10.pptx
@@ -7588,13 +7588,15 @@
               </a:ext>
             </a:extLst>
           </p:cNvPr>
-          <p:cNvCxnSpPr/>
+          <p:cNvCxnSpPr>
+            <a:cxnSpLocks/>
+          </p:cNvCxnSpPr>
           <p:nvPr/>
         </p:nvCxnSpPr>
         <p:spPr>
           <a:xfrm>
-            <a:off x="6795516" y="658368"/>
-            <a:ext cx="91440" cy="5705856"/>
+            <a:off x="6914388" y="658368"/>
+            <a:ext cx="0" cy="5980176"/>
           </a:xfrm>
           <a:prstGeom prst="line">
             <a:avLst/>
@@ -7825,6 +7827,50 @@
               </a:rPr>
               <a:t>SAP ERP on-premise or ECC is accessed.</a:t>
             </a:r>
+          </a:p>
+        </p:txBody>
+      </p:sp>
+      <p:sp>
+        <p:nvSpPr>
+          <p:cNvPr id="8" name="TextBox 7">
+            <a:extLst>
+              <a:ext uri="{FF2B5EF4-FFF2-40B4-BE49-F238E27FC236}">
+                <a16:creationId xmlns:a16="http://schemas.microsoft.com/office/drawing/2014/main" id="{04A42459-92E3-ADB9-BFC7-1AD4A7149514}"/>
+              </a:ext>
+            </a:extLst>
+          </p:cNvPr>
+          <p:cNvSpPr txBox="1"/>
+          <p:nvPr/>
+        </p:nvSpPr>
+        <p:spPr>
+          <a:xfrm>
+            <a:off x="6364605" y="253611"/>
+            <a:ext cx="1099565" cy="369332"/>
+          </a:xfrm>
+          <a:prstGeom prst="rect">
+            <a:avLst/>
+          </a:prstGeom>
+          <a:noFill/>
+        </p:spPr>
+        <p:txBody>
+          <a:bodyPr wrap="square" rtlCol="0">
+            <a:spAutoFit/>
+          </a:bodyPr>
+          <a:lstStyle/>
+          <a:p>
+            <a:r>
+              <a:rPr lang="en-IN" b="1" dirty="0">
+                <a:solidFill>
+                  <a:srgbClr val="FF0000"/>
+                </a:solidFill>
+              </a:rPr>
+              <a:t>Firewall</a:t>
+            </a:r>
+            <a:endParaRPr lang="en-US" b="1" dirty="0">
+              <a:solidFill>
+                <a:srgbClr val="FF0000"/>
+              </a:solidFill>
+            </a:endParaRPr>
           </a:p>
         </p:txBody>
       </p:sp>

--- a/CAPM-DAY-10/CAPM-10.pptx
+++ b/CAPM-DAY-10/CAPM-10.pptx
@@ -883,7 +883,7 @@
           <a:p>
             <a:fld id="{A5CD54AC-F298-4D3B-8C69-71800F15EAC3}" type="datetimeFigureOut">
               <a:rPr lang="en-US" smtClean="0"/>
-              <a:t>5/9/2024</a:t>
+              <a:t>5/10/2024</a:t>
             </a:fld>
             <a:endParaRPr lang="en-US"/>
           </a:p>
@@ -1381,7 +1381,7 @@
           <a:p>
             <a:fld id="{2C3B68F5-01BD-44AE-A4B2-9F4661C723B8}" type="datetimeFigureOut">
               <a:rPr lang="en-US" smtClean="0"/>
-              <a:t>5/9/2024</a:t>
+              <a:t>5/10/2024</a:t>
             </a:fld>
             <a:endParaRPr lang="en-US"/>
           </a:p>
@@ -1579,7 +1579,7 @@
           <a:p>
             <a:fld id="{2C3B68F5-01BD-44AE-A4B2-9F4661C723B8}" type="datetimeFigureOut">
               <a:rPr lang="en-US" smtClean="0"/>
-              <a:t>5/9/2024</a:t>
+              <a:t>5/10/2024</a:t>
             </a:fld>
             <a:endParaRPr lang="en-US"/>
           </a:p>
@@ -1787,7 +1787,7 @@
           <a:p>
             <a:fld id="{2C3B68F5-01BD-44AE-A4B2-9F4661C723B8}" type="datetimeFigureOut">
               <a:rPr lang="en-US" smtClean="0"/>
-              <a:t>5/9/2024</a:t>
+              <a:t>5/10/2024</a:t>
             </a:fld>
             <a:endParaRPr lang="en-US"/>
           </a:p>
@@ -1985,7 +1985,7 @@
           <a:p>
             <a:fld id="{2C3B68F5-01BD-44AE-A4B2-9F4661C723B8}" type="datetimeFigureOut">
               <a:rPr lang="en-US" smtClean="0"/>
-              <a:t>5/9/2024</a:t>
+              <a:t>5/10/2024</a:t>
             </a:fld>
             <a:endParaRPr lang="en-US"/>
           </a:p>
@@ -2260,7 +2260,7 @@
           <a:p>
             <a:fld id="{2C3B68F5-01BD-44AE-A4B2-9F4661C723B8}" type="datetimeFigureOut">
               <a:rPr lang="en-US" smtClean="0"/>
-              <a:t>5/9/2024</a:t>
+              <a:t>5/10/2024</a:t>
             </a:fld>
             <a:endParaRPr lang="en-US"/>
           </a:p>
@@ -2525,7 +2525,7 @@
           <a:p>
             <a:fld id="{2C3B68F5-01BD-44AE-A4B2-9F4661C723B8}" type="datetimeFigureOut">
               <a:rPr lang="en-US" smtClean="0"/>
-              <a:t>5/9/2024</a:t>
+              <a:t>5/10/2024</a:t>
             </a:fld>
             <a:endParaRPr lang="en-US"/>
           </a:p>
@@ -2937,7 +2937,7 @@
           <a:p>
             <a:fld id="{2C3B68F5-01BD-44AE-A4B2-9F4661C723B8}" type="datetimeFigureOut">
               <a:rPr lang="en-US" smtClean="0"/>
-              <a:t>5/9/2024</a:t>
+              <a:t>5/10/2024</a:t>
             </a:fld>
             <a:endParaRPr lang="en-US"/>
           </a:p>
@@ -3078,7 +3078,7 @@
           <a:p>
             <a:fld id="{2C3B68F5-01BD-44AE-A4B2-9F4661C723B8}" type="datetimeFigureOut">
               <a:rPr lang="en-US" smtClean="0"/>
-              <a:t>5/9/2024</a:t>
+              <a:t>5/10/2024</a:t>
             </a:fld>
             <a:endParaRPr lang="en-US"/>
           </a:p>
@@ -3191,7 +3191,7 @@
           <a:p>
             <a:fld id="{2C3B68F5-01BD-44AE-A4B2-9F4661C723B8}" type="datetimeFigureOut">
               <a:rPr lang="en-US" smtClean="0"/>
-              <a:t>5/9/2024</a:t>
+              <a:t>5/10/2024</a:t>
             </a:fld>
             <a:endParaRPr lang="en-US"/>
           </a:p>
@@ -3502,7 +3502,7 @@
           <a:p>
             <a:fld id="{2C3B68F5-01BD-44AE-A4B2-9F4661C723B8}" type="datetimeFigureOut">
               <a:rPr lang="en-US" smtClean="0"/>
-              <a:t>5/9/2024</a:t>
+              <a:t>5/10/2024</a:t>
             </a:fld>
             <a:endParaRPr lang="en-US"/>
           </a:p>
@@ -3790,7 +3790,7 @@
           <a:p>
             <a:fld id="{2C3B68F5-01BD-44AE-A4B2-9F4661C723B8}" type="datetimeFigureOut">
               <a:rPr lang="en-US" smtClean="0"/>
-              <a:t>5/9/2024</a:t>
+              <a:t>5/10/2024</a:t>
             </a:fld>
             <a:endParaRPr lang="en-US"/>
           </a:p>
@@ -4031,7 +4031,7 @@
           <a:p>
             <a:fld id="{2C3B68F5-01BD-44AE-A4B2-9F4661C723B8}" type="datetimeFigureOut">
               <a:rPr lang="en-US" smtClean="0"/>
-              <a:t>5/9/2024</a:t>
+              <a:t>5/10/2024</a:t>
             </a:fld>
             <a:endParaRPr lang="en-US"/>
           </a:p>
@@ -7290,7 +7290,7 @@
         </p:nvSpPr>
         <p:spPr>
           <a:xfrm>
-            <a:off x="627126" y="2119123"/>
+            <a:off x="608838" y="2466596"/>
             <a:ext cx="3307164" cy="512064"/>
           </a:xfrm>
           <a:prstGeom prst="roundRect">
@@ -7436,7 +7436,7 @@
         </p:nvGrpSpPr>
         <p:grpSpPr>
           <a:xfrm>
-            <a:off x="627126" y="2688335"/>
+            <a:off x="608838" y="3035808"/>
             <a:ext cx="4101846" cy="786384"/>
             <a:chOff x="1069848" y="2807207"/>
             <a:chExt cx="4672584" cy="786384"/>
@@ -7696,8 +7696,8 @@
         </p:nvCxnSpPr>
         <p:spPr>
           <a:xfrm>
-            <a:off x="4728972" y="3081528"/>
-            <a:ext cx="1450848" cy="512063"/>
+            <a:off x="4710684" y="3429001"/>
+            <a:ext cx="1469136" cy="164590"/>
           </a:xfrm>
           <a:prstGeom prst="bentConnector3">
             <a:avLst/>
@@ -7871,6 +7871,116 @@
                 <a:srgbClr val="FF0000"/>
               </a:solidFill>
             </a:endParaRPr>
+          </a:p>
+        </p:txBody>
+      </p:sp>
+      <p:sp>
+        <p:nvSpPr>
+          <p:cNvPr id="3" name="Rectangle: Single Corner Snipped 2">
+            <a:extLst>
+              <a:ext uri="{FF2B5EF4-FFF2-40B4-BE49-F238E27FC236}">
+                <a16:creationId xmlns:a16="http://schemas.microsoft.com/office/drawing/2014/main" id="{EB2EE3EA-8AF6-98F2-7DA3-0CBE6C4828D1}"/>
+              </a:ext>
+            </a:extLst>
+          </p:cNvPr>
+          <p:cNvSpPr/>
+          <p:nvPr/>
+        </p:nvSpPr>
+        <p:spPr>
+          <a:xfrm>
+            <a:off x="1280160" y="1874520"/>
+            <a:ext cx="1892804" cy="512064"/>
+          </a:xfrm>
+          <a:prstGeom prst="snip1Rect">
+            <a:avLst/>
+          </a:prstGeom>
+          <a:solidFill>
+            <a:schemeClr val="accent4">
+              <a:lumMod val="40000"/>
+              <a:lumOff val="60000"/>
+            </a:schemeClr>
+          </a:solidFill>
+        </p:spPr>
+        <p:style>
+          <a:lnRef idx="3">
+            <a:schemeClr val="lt1"/>
+          </a:lnRef>
+          <a:fillRef idx="1">
+            <a:schemeClr val="accent4"/>
+          </a:fillRef>
+          <a:effectRef idx="1">
+            <a:schemeClr val="accent4"/>
+          </a:effectRef>
+          <a:fontRef idx="minor">
+            <a:schemeClr val="lt1"/>
+          </a:fontRef>
+        </p:style>
+        <p:txBody>
+          <a:bodyPr rtlCol="0" anchor="ctr"/>
+          <a:lstStyle/>
+          <a:p>
+            <a:pPr algn="ctr"/>
+            <a:r>
+              <a:rPr lang="en-IN" dirty="0">
+                <a:solidFill>
+                  <a:schemeClr val="tx1"/>
+                </a:solidFill>
+              </a:rPr>
+              <a:t>Fiori</a:t>
+            </a:r>
+            <a:r>
+              <a:rPr lang="en-IN" dirty="0"/>
+              <a:t> </a:t>
+            </a:r>
+            <a:r>
+              <a:rPr lang="en-IN" dirty="0">
+                <a:solidFill>
+                  <a:schemeClr val="tx1"/>
+                </a:solidFill>
+              </a:rPr>
+              <a:t>App</a:t>
+            </a:r>
+            <a:endParaRPr lang="en-US" dirty="0">
+              <a:solidFill>
+                <a:schemeClr val="tx1"/>
+              </a:solidFill>
+            </a:endParaRPr>
+          </a:p>
+        </p:txBody>
+      </p:sp>
+      <p:sp>
+        <p:nvSpPr>
+          <p:cNvPr id="9" name="TextBox 8">
+            <a:extLst>
+              <a:ext uri="{FF2B5EF4-FFF2-40B4-BE49-F238E27FC236}">
+                <a16:creationId xmlns:a16="http://schemas.microsoft.com/office/drawing/2014/main" id="{30E9406F-1150-90CE-7C20-1873E6094B25}"/>
+              </a:ext>
+            </a:extLst>
+          </p:cNvPr>
+          <p:cNvSpPr txBox="1"/>
+          <p:nvPr/>
+        </p:nvSpPr>
+        <p:spPr>
+          <a:xfrm>
+            <a:off x="8731755" y="2549649"/>
+            <a:ext cx="2588511" cy="338554"/>
+          </a:xfrm>
+          <a:prstGeom prst="rect">
+            <a:avLst/>
+          </a:prstGeom>
+          <a:noFill/>
+        </p:spPr>
+        <p:txBody>
+          <a:bodyPr wrap="square" rtlCol="0">
+            <a:spAutoFit/>
+          </a:bodyPr>
+          <a:lstStyle/>
+          <a:p>
+            <a:r>
+              <a:rPr lang="en-IN" sz="1600" b="1" dirty="0"/>
+              <a:t>ZSEPMRA_PROD_MAN</a:t>
+            </a:r>
+            <a:endParaRPr lang="en-US" sz="1600" b="1" dirty="0"/>
           </a:p>
         </p:txBody>
       </p:sp>

--- a/CAPM-DAY-10/CAPM-10.pptx
+++ b/CAPM-DAY-10/CAPM-10.pptx
@@ -6996,8 +6996,8 @@
         </p:nvSpPr>
         <p:spPr>
           <a:xfrm>
-            <a:off x="3262801" y="3030640"/>
-            <a:ext cx="1927791" cy="1200329"/>
+            <a:off x="3294437" y="4452685"/>
+            <a:ext cx="2452138" cy="2123658"/>
           </a:xfrm>
           <a:prstGeom prst="rect">
             <a:avLst/>
@@ -7012,7 +7012,7 @@
           <a:p>
             <a:r>
               <a:rPr lang="en-GB" sz="1200" b="1" dirty="0"/>
-              <a:t>2.1  </a:t>
+              <a:t>2.2  </a:t>
             </a:r>
             <a:r>
               <a:rPr lang="en-GB" sz="1200" b="1" dirty="0">
@@ -7044,11 +7044,7 @@
                   <a:srgbClr val="FFFF00"/>
                 </a:highlight>
               </a:rPr>
-              <a:t>service from BTP</a:t>
-            </a:r>
-            <a:r>
-              <a:rPr lang="en-GB" sz="1200" dirty="0"/>
-              <a:t> and accessing </a:t>
+              <a:t>service from </a:t>
             </a:r>
             <a:r>
               <a:rPr lang="en-GB" sz="1200" b="1" dirty="0">
@@ -7056,18 +7052,8 @@
                   <a:srgbClr val="FFFF00"/>
                 </a:highlight>
               </a:rPr>
-              <a:t>ODATA </a:t>
-            </a:r>
-            <a:r>
-              <a:rPr lang="en-GB" sz="1200" dirty="0">
-                <a:highlight>
-                  <a:srgbClr val="FFFF00"/>
-                </a:highlight>
-              </a:rPr>
-              <a:t>from ERP </a:t>
-            </a:r>
-          </a:p>
-          <a:p>
+              <a:t>ERP via CAP </a:t>
+            </a:r>
             <a:r>
               <a:rPr lang="en-GB" sz="1200" dirty="0">
                 <a:highlight>
@@ -7076,12 +7062,46 @@
               </a:rPr>
               <a:t>(could be standard API or custom)</a:t>
             </a:r>
-            <a:endParaRPr lang="en-US" sz="1200" dirty="0">
+          </a:p>
+          <a:p>
+            <a:endParaRPr lang="en-GB" sz="1200" dirty="0">
               <a:highlight>
                 <a:srgbClr val="FFFF00"/>
               </a:highlight>
             </a:endParaRPr>
           </a:p>
+          <a:p>
+            <a:r>
+              <a:rPr lang="en-GB" sz="1200" dirty="0">
+                <a:highlight>
+                  <a:srgbClr val="FFFF00"/>
+                </a:highlight>
+              </a:rPr>
+              <a:t>CAP is accessed because we don’t want to directly consume and develop an app </a:t>
+            </a:r>
+          </a:p>
+          <a:p>
+            <a:endParaRPr lang="en-GB" sz="1200" dirty="0">
+              <a:highlight>
+                <a:srgbClr val="FFFF00"/>
+              </a:highlight>
+            </a:endParaRPr>
+          </a:p>
+          <a:p>
+            <a:r>
+              <a:rPr lang="en-GB" sz="1200" b="1" dirty="0">
+                <a:highlight>
+                  <a:srgbClr val="FFFF00"/>
+                </a:highlight>
+              </a:rPr>
+              <a:t>we want to manipulate the existing data from ERP and add few extra functionalities</a:t>
+            </a:r>
+            <a:endParaRPr lang="en-US" sz="1200" b="1" dirty="0">
+              <a:highlight>
+                <a:srgbClr val="FFFF00"/>
+              </a:highlight>
+            </a:endParaRPr>
+          </a:p>
         </p:txBody>
       </p:sp>
       <p:sp>
@@ -7098,8 +7118,8 @@
         </p:nvSpPr>
         <p:spPr>
           <a:xfrm>
-            <a:off x="3308372" y="4420823"/>
-            <a:ext cx="1927791" cy="1200329"/>
+            <a:off x="3235620" y="3120943"/>
+            <a:ext cx="1927791" cy="646331"/>
           </a:xfrm>
           <a:prstGeom prst="rect">
             <a:avLst/>
@@ -7114,7 +7134,7 @@
           <a:p>
             <a:r>
               <a:rPr lang="en-GB" sz="1200" b="1" dirty="0"/>
-              <a:t>2.2  </a:t>
+              <a:t>2.1  </a:t>
             </a:r>
             <a:r>
               <a:rPr lang="en-GB" sz="1200" b="1" dirty="0">
@@ -7146,37 +7166,7 @@
                   <a:srgbClr val="FFFF00"/>
                 </a:highlight>
               </a:rPr>
-              <a:t>service from BTP</a:t>
-            </a:r>
-            <a:r>
-              <a:rPr lang="en-GB" sz="1200" dirty="0"/>
-              <a:t> and accessing </a:t>
-            </a:r>
-            <a:r>
-              <a:rPr lang="en-GB" sz="1200" b="1" dirty="0">
-                <a:highlight>
-                  <a:srgbClr val="FFFF00"/>
-                </a:highlight>
-              </a:rPr>
-              <a:t>ODATA </a:t>
-            </a:r>
-            <a:r>
-              <a:rPr lang="en-GB" sz="1200" dirty="0">
-                <a:highlight>
-                  <a:srgbClr val="FFFF00"/>
-                </a:highlight>
-              </a:rPr>
-              <a:t>from ERP </a:t>
-            </a:r>
-          </a:p>
-          <a:p>
-            <a:r>
-              <a:rPr lang="en-GB" sz="1200" dirty="0">
-                <a:highlight>
-                  <a:srgbClr val="FFFF00"/>
-                </a:highlight>
-              </a:rPr>
-              <a:t>(could be standard API or custom) + </a:t>
+              <a:t>service from  </a:t>
             </a:r>
             <a:r>
               <a:rPr lang="en-GB" sz="1200" b="1" dirty="0">

--- a/CAPM-DAY-10/CAPM-10.pptx
+++ b/CAPM-DAY-10/CAPM-10.pptx
@@ -5,12 +5,13 @@
     <p:sldMasterId id="2147483648" r:id="rId1"/>
   </p:sldMasterIdLst>
   <p:notesMasterIdLst>
-    <p:notesMasterId r:id="rId5"/>
+    <p:notesMasterId r:id="rId6"/>
   </p:notesMasterIdLst>
   <p:sldIdLst>
     <p:sldId id="256" r:id="rId2"/>
     <p:sldId id="257" r:id="rId3"/>
     <p:sldId id="258" r:id="rId4"/>
+    <p:sldId id="259" r:id="rId5"/>
   </p:sldIdLst>
   <p:sldSz cx="12192000" cy="6858000"/>
   <p:notesSz cx="6858000" cy="9144000"/>
@@ -7987,6 +7988,1013 @@
 </p:sld>
 </file>
 
+<file path=ppt/slides/slide4.xml><?xml version="1.0" encoding="utf-8"?>
+<p:sld xmlns:a="http://schemas.openxmlformats.org/drawingml/2006/main" xmlns:r="http://schemas.openxmlformats.org/officeDocument/2006/relationships" xmlns:p="http://schemas.openxmlformats.org/presentationml/2006/main">
+  <p:cSld>
+    <p:spTree>
+      <p:nvGrpSpPr>
+        <p:cNvPr id="1" name=""/>
+        <p:cNvGrpSpPr/>
+        <p:nvPr/>
+      </p:nvGrpSpPr>
+      <p:grpSpPr>
+        <a:xfrm>
+          <a:off x="0" y="0"/>
+          <a:ext cx="0" cy="0"/>
+          <a:chOff x="0" y="0"/>
+          <a:chExt cx="0" cy="0"/>
+        </a:xfrm>
+      </p:grpSpPr>
+      <p:sp>
+        <p:nvSpPr>
+          <p:cNvPr id="6" name="Title 1">
+            <a:extLst>
+              <a:ext uri="{FF2B5EF4-FFF2-40B4-BE49-F238E27FC236}">
+                <a16:creationId xmlns:a16="http://schemas.microsoft.com/office/drawing/2014/main" id="{9C4FE7C7-E0A8-8CE4-FE6A-22E54554B3B2}"/>
+              </a:ext>
+            </a:extLst>
+          </p:cNvPr>
+          <p:cNvSpPr>
+            <a:spLocks noGrp="1"/>
+          </p:cNvSpPr>
+          <p:nvPr>
+            <p:ph type="title"/>
+          </p:nvPr>
+        </p:nvSpPr>
+        <p:spPr>
+          <a:xfrm>
+            <a:off x="362712" y="438277"/>
+            <a:ext cx="10515600" cy="631571"/>
+          </a:xfrm>
+        </p:spPr>
+        <p:txBody>
+          <a:bodyPr>
+            <a:normAutofit/>
+          </a:bodyPr>
+          <a:lstStyle/>
+          <a:p>
+            <a:r>
+              <a:rPr lang="en-IN" sz="2800" b="1" dirty="0"/>
+              <a:t>Case 2.1 - Extend app using CAP</a:t>
+            </a:r>
+            <a:endParaRPr lang="en-US" sz="2800" b="1" dirty="0"/>
+          </a:p>
+        </p:txBody>
+      </p:sp>
+      <p:grpSp>
+        <p:nvGrpSpPr>
+          <p:cNvPr id="37" name="Group 36">
+            <a:extLst>
+              <a:ext uri="{FF2B5EF4-FFF2-40B4-BE49-F238E27FC236}">
+                <a16:creationId xmlns:a16="http://schemas.microsoft.com/office/drawing/2014/main" id="{A1D1C38E-9117-E1A8-A451-D6E925F76625}"/>
+              </a:ext>
+            </a:extLst>
+          </p:cNvPr>
+          <p:cNvGrpSpPr/>
+          <p:nvPr/>
+        </p:nvGrpSpPr>
+        <p:grpSpPr>
+          <a:xfrm>
+            <a:off x="481509" y="1304986"/>
+            <a:ext cx="10595687" cy="4858573"/>
+            <a:chOff x="847269" y="1035877"/>
+            <a:chExt cx="10595687" cy="4858573"/>
+          </a:xfrm>
+        </p:grpSpPr>
+        <p:sp>
+          <p:nvSpPr>
+            <p:cNvPr id="7" name="Rectangle: Rounded Corners 6">
+              <a:extLst>
+                <a:ext uri="{FF2B5EF4-FFF2-40B4-BE49-F238E27FC236}">
+                  <a16:creationId xmlns:a16="http://schemas.microsoft.com/office/drawing/2014/main" id="{F04DF3B9-679A-28DE-30F6-899DD4C51852}"/>
+                </a:ext>
+              </a:extLst>
+            </p:cNvPr>
+            <p:cNvSpPr/>
+            <p:nvPr/>
+          </p:nvSpPr>
+          <p:spPr>
+            <a:xfrm>
+              <a:off x="847269" y="2714948"/>
+              <a:ext cx="1730655" cy="958320"/>
+            </a:xfrm>
+            <a:prstGeom prst="roundRect">
+              <a:avLst/>
+            </a:prstGeom>
+            <a:solidFill>
+              <a:schemeClr val="accent4">
+                <a:lumMod val="60000"/>
+                <a:lumOff val="40000"/>
+              </a:schemeClr>
+            </a:solidFill>
+          </p:spPr>
+          <p:style>
+            <a:lnRef idx="3">
+              <a:schemeClr val="lt1"/>
+            </a:lnRef>
+            <a:fillRef idx="1">
+              <a:schemeClr val="accent4"/>
+            </a:fillRef>
+            <a:effectRef idx="1">
+              <a:schemeClr val="accent4"/>
+            </a:effectRef>
+            <a:fontRef idx="minor">
+              <a:schemeClr val="lt1"/>
+            </a:fontRef>
+          </p:style>
+          <p:txBody>
+            <a:bodyPr rtlCol="0" anchor="ctr"/>
+            <a:lstStyle/>
+            <a:p>
+              <a:pPr algn="ctr"/>
+              <a:r>
+                <a:rPr lang="en-IN" dirty="0">
+                  <a:solidFill>
+                    <a:schemeClr val="tx1">
+                      <a:lumMod val="95000"/>
+                      <a:lumOff val="5000"/>
+                    </a:schemeClr>
+                  </a:solidFill>
+                </a:rPr>
+                <a:t>Android App</a:t>
+              </a:r>
+              <a:endParaRPr lang="en-US" dirty="0">
+                <a:solidFill>
+                  <a:schemeClr val="tx1">
+                    <a:lumMod val="95000"/>
+                    <a:lumOff val="5000"/>
+                  </a:schemeClr>
+                </a:solidFill>
+              </a:endParaRPr>
+            </a:p>
+          </p:txBody>
+        </p:sp>
+        <p:sp>
+          <p:nvSpPr>
+            <p:cNvPr id="8" name="Rectangle: Rounded Corners 7">
+              <a:extLst>
+                <a:ext uri="{FF2B5EF4-FFF2-40B4-BE49-F238E27FC236}">
+                  <a16:creationId xmlns:a16="http://schemas.microsoft.com/office/drawing/2014/main" id="{B33D4AD2-58F3-2093-01B5-1F2F69F689D4}"/>
+                </a:ext>
+              </a:extLst>
+            </p:cNvPr>
+            <p:cNvSpPr/>
+            <p:nvPr/>
+          </p:nvSpPr>
+          <p:spPr>
+            <a:xfrm>
+              <a:off x="8854446" y="2516582"/>
+              <a:ext cx="2588510" cy="1355055"/>
+            </a:xfrm>
+            <a:prstGeom prst="roundRect">
+              <a:avLst/>
+            </a:prstGeom>
+            <a:solidFill>
+              <a:srgbClr val="0070C0"/>
+            </a:solidFill>
+          </p:spPr>
+          <p:style>
+            <a:lnRef idx="3">
+              <a:schemeClr val="lt1"/>
+            </a:lnRef>
+            <a:fillRef idx="1">
+              <a:schemeClr val="accent4"/>
+            </a:fillRef>
+            <a:effectRef idx="1">
+              <a:schemeClr val="accent4"/>
+            </a:effectRef>
+            <a:fontRef idx="minor">
+              <a:schemeClr val="lt1"/>
+            </a:fontRef>
+          </p:style>
+          <p:txBody>
+            <a:bodyPr rtlCol="0" anchor="ctr"/>
+            <a:lstStyle/>
+            <a:p>
+              <a:pPr algn="ctr"/>
+              <a:r>
+                <a:rPr lang="en-IN" b="1" dirty="0">
+                  <a:solidFill>
+                    <a:schemeClr val="bg1"/>
+                  </a:solidFill>
+                </a:rPr>
+                <a:t>SAP or Non SAP API ODATA</a:t>
+              </a:r>
+              <a:r>
+                <a:rPr lang="en-IN" dirty="0">
+                  <a:solidFill>
+                    <a:schemeClr val="bg1"/>
+                  </a:solidFill>
+                </a:rPr>
+                <a:t> </a:t>
+              </a:r>
+            </a:p>
+            <a:p>
+              <a:pPr algn="ctr"/>
+              <a:r>
+                <a:rPr lang="en-IN" dirty="0">
+                  <a:solidFill>
+                    <a:schemeClr val="bg1"/>
+                  </a:solidFill>
+                </a:rPr>
+                <a:t>which we want to reuse</a:t>
+              </a:r>
+              <a:endParaRPr lang="en-US" dirty="0">
+                <a:solidFill>
+                  <a:schemeClr val="bg1"/>
+                </a:solidFill>
+              </a:endParaRPr>
+            </a:p>
+          </p:txBody>
+        </p:sp>
+        <p:sp>
+          <p:nvSpPr>
+            <p:cNvPr id="10" name="Rectangle: Rounded Corners 9">
+              <a:extLst>
+                <a:ext uri="{FF2B5EF4-FFF2-40B4-BE49-F238E27FC236}">
+                  <a16:creationId xmlns:a16="http://schemas.microsoft.com/office/drawing/2014/main" id="{8FE038D6-037E-CF09-34FF-28816CD0AB77}"/>
+                </a:ext>
+              </a:extLst>
+            </p:cNvPr>
+            <p:cNvSpPr/>
+            <p:nvPr/>
+          </p:nvSpPr>
+          <p:spPr>
+            <a:xfrm>
+              <a:off x="4205933" y="2360424"/>
+              <a:ext cx="3307164" cy="1667371"/>
+            </a:xfrm>
+            <a:prstGeom prst="roundRect">
+              <a:avLst/>
+            </a:prstGeom>
+            <a:solidFill>
+              <a:schemeClr val="accent3">
+                <a:lumMod val="40000"/>
+                <a:lumOff val="60000"/>
+              </a:schemeClr>
+            </a:solidFill>
+          </p:spPr>
+          <p:style>
+            <a:lnRef idx="3">
+              <a:schemeClr val="lt1"/>
+            </a:lnRef>
+            <a:fillRef idx="1">
+              <a:schemeClr val="accent4"/>
+            </a:fillRef>
+            <a:effectRef idx="1">
+              <a:schemeClr val="accent4"/>
+            </a:effectRef>
+            <a:fontRef idx="minor">
+              <a:schemeClr val="lt1"/>
+            </a:fontRef>
+          </p:style>
+          <p:txBody>
+            <a:bodyPr rtlCol="0" anchor="ctr"/>
+            <a:lstStyle/>
+            <a:p>
+              <a:pPr algn="ctr"/>
+              <a:r>
+                <a:rPr lang="en-IN" b="1" dirty="0">
+                  <a:solidFill>
+                    <a:schemeClr val="tx1">
+                      <a:lumMod val="95000"/>
+                      <a:lumOff val="5000"/>
+                    </a:schemeClr>
+                  </a:solidFill>
+                </a:rPr>
+                <a:t>CAPM App</a:t>
+              </a:r>
+            </a:p>
+            <a:p>
+              <a:pPr algn="ctr"/>
+              <a:r>
+                <a:rPr lang="en-IN" b="1" dirty="0">
+                  <a:solidFill>
+                    <a:schemeClr val="tx1">
+                      <a:lumMod val="95000"/>
+                      <a:lumOff val="5000"/>
+                    </a:schemeClr>
+                  </a:solidFill>
+                </a:rPr>
+                <a:t>Middleware</a:t>
+              </a:r>
+            </a:p>
+            <a:p>
+              <a:pPr algn="ctr"/>
+              <a:endParaRPr lang="en-IN" sz="1200" b="1" i="1" dirty="0">
+                <a:solidFill>
+                  <a:schemeClr val="tx1">
+                    <a:lumMod val="95000"/>
+                    <a:lumOff val="5000"/>
+                  </a:schemeClr>
+                </a:solidFill>
+              </a:endParaRPr>
+            </a:p>
+            <a:p>
+              <a:pPr algn="ctr"/>
+              <a:r>
+                <a:rPr lang="en-IN" sz="1400" i="1" dirty="0">
+                  <a:solidFill>
+                    <a:schemeClr val="tx1">
+                      <a:lumMod val="95000"/>
+                      <a:lumOff val="5000"/>
+                    </a:schemeClr>
+                  </a:solidFill>
+                </a:rPr>
+                <a:t>Data manipulation</a:t>
+              </a:r>
+              <a:r>
+                <a:rPr lang="en-IN" sz="1400" dirty="0">
+                  <a:solidFill>
+                    <a:schemeClr val="tx1">
+                      <a:lumMod val="95000"/>
+                      <a:lumOff val="5000"/>
+                    </a:schemeClr>
+                  </a:solidFill>
+                </a:rPr>
+                <a:t>, </a:t>
+              </a:r>
+              <a:r>
+                <a:rPr lang="en-IN" sz="1400" i="1" dirty="0">
+                  <a:solidFill>
+                    <a:schemeClr val="tx1">
+                      <a:lumMod val="95000"/>
+                      <a:lumOff val="5000"/>
+                    </a:schemeClr>
+                  </a:solidFill>
+                </a:rPr>
+                <a:t>Data enrichment</a:t>
+              </a:r>
+              <a:r>
+                <a:rPr lang="en-IN" sz="1400" dirty="0">
+                  <a:solidFill>
+                    <a:schemeClr val="tx1">
+                      <a:lumMod val="95000"/>
+                      <a:lumOff val="5000"/>
+                    </a:schemeClr>
+                  </a:solidFill>
+                </a:rPr>
+                <a:t>, </a:t>
+              </a:r>
+            </a:p>
+            <a:p>
+              <a:pPr algn="ctr"/>
+              <a:r>
+                <a:rPr lang="en-IN" sz="1400" i="1" dirty="0">
+                  <a:solidFill>
+                    <a:schemeClr val="tx1">
+                      <a:lumMod val="95000"/>
+                      <a:lumOff val="5000"/>
+                    </a:schemeClr>
+                  </a:solidFill>
+                </a:rPr>
+                <a:t>Data Security, Automation, Movement, Proxy</a:t>
+              </a:r>
+              <a:endParaRPr lang="en-US" sz="1400" i="1" dirty="0">
+                <a:solidFill>
+                  <a:schemeClr val="tx1">
+                    <a:lumMod val="95000"/>
+                    <a:lumOff val="5000"/>
+                  </a:schemeClr>
+                </a:solidFill>
+              </a:endParaRPr>
+            </a:p>
+          </p:txBody>
+        </p:sp>
+        <p:sp>
+          <p:nvSpPr>
+            <p:cNvPr id="18" name="Rectangle: Single Corner Snipped 17">
+              <a:extLst>
+                <a:ext uri="{FF2B5EF4-FFF2-40B4-BE49-F238E27FC236}">
+                  <a16:creationId xmlns:a16="http://schemas.microsoft.com/office/drawing/2014/main" id="{243B2B7D-235D-0059-76AB-200D2971F75C}"/>
+                </a:ext>
+              </a:extLst>
+            </p:cNvPr>
+            <p:cNvSpPr/>
+            <p:nvPr/>
+          </p:nvSpPr>
+          <p:spPr>
+            <a:xfrm>
+              <a:off x="4825122" y="1035877"/>
+              <a:ext cx="2068786" cy="631571"/>
+            </a:xfrm>
+            <a:prstGeom prst="snip1Rect">
+              <a:avLst/>
+            </a:prstGeom>
+            <a:solidFill>
+              <a:schemeClr val="accent4">
+                <a:lumMod val="40000"/>
+                <a:lumOff val="60000"/>
+              </a:schemeClr>
+            </a:solidFill>
+          </p:spPr>
+          <p:style>
+            <a:lnRef idx="3">
+              <a:schemeClr val="lt1"/>
+            </a:lnRef>
+            <a:fillRef idx="1">
+              <a:schemeClr val="accent4"/>
+            </a:fillRef>
+            <a:effectRef idx="1">
+              <a:schemeClr val="accent4"/>
+            </a:effectRef>
+            <a:fontRef idx="minor">
+              <a:schemeClr val="lt1"/>
+            </a:fontRef>
+          </p:style>
+          <p:txBody>
+            <a:bodyPr rtlCol="0" anchor="ctr"/>
+            <a:lstStyle/>
+            <a:p>
+              <a:pPr algn="ctr"/>
+              <a:r>
+                <a:rPr lang="en-IN" dirty="0">
+                  <a:solidFill>
+                    <a:schemeClr val="tx1"/>
+                  </a:solidFill>
+                </a:rPr>
+                <a:t>Own Fiori</a:t>
+              </a:r>
+              <a:r>
+                <a:rPr lang="en-IN" dirty="0"/>
+                <a:t> </a:t>
+              </a:r>
+              <a:r>
+                <a:rPr lang="en-IN" dirty="0">
+                  <a:solidFill>
+                    <a:schemeClr val="tx1"/>
+                  </a:solidFill>
+                </a:rPr>
+                <a:t>App</a:t>
+              </a:r>
+              <a:endParaRPr lang="en-US" dirty="0">
+                <a:solidFill>
+                  <a:schemeClr val="tx1"/>
+                </a:solidFill>
+              </a:endParaRPr>
+            </a:p>
+          </p:txBody>
+        </p:sp>
+        <p:sp>
+          <p:nvSpPr>
+            <p:cNvPr id="20" name="Flowchart: Magnetic Disk 19">
+              <a:extLst>
+                <a:ext uri="{FF2B5EF4-FFF2-40B4-BE49-F238E27FC236}">
+                  <a16:creationId xmlns:a16="http://schemas.microsoft.com/office/drawing/2014/main" id="{C7FB3C5C-B048-2753-A713-99D27B8EBA20}"/>
+                </a:ext>
+              </a:extLst>
+            </p:cNvPr>
+            <p:cNvSpPr/>
+            <p:nvPr/>
+          </p:nvSpPr>
+          <p:spPr>
+            <a:xfrm>
+              <a:off x="4875276" y="4970906"/>
+              <a:ext cx="2112264" cy="923544"/>
+            </a:xfrm>
+            <a:prstGeom prst="flowChartMagneticDisk">
+              <a:avLst/>
+            </a:prstGeom>
+            <a:solidFill>
+              <a:schemeClr val="accent5">
+                <a:lumMod val="60000"/>
+                <a:lumOff val="40000"/>
+              </a:schemeClr>
+            </a:solidFill>
+          </p:spPr>
+          <p:style>
+            <a:lnRef idx="1">
+              <a:schemeClr val="accent5"/>
+            </a:lnRef>
+            <a:fillRef idx="2">
+              <a:schemeClr val="accent5"/>
+            </a:fillRef>
+            <a:effectRef idx="1">
+              <a:schemeClr val="accent5"/>
+            </a:effectRef>
+            <a:fontRef idx="minor">
+              <a:schemeClr val="dk1"/>
+            </a:fontRef>
+          </p:style>
+          <p:txBody>
+            <a:bodyPr rtlCol="0" anchor="ctr"/>
+            <a:lstStyle/>
+            <a:p>
+              <a:pPr algn="ctr"/>
+              <a:r>
+                <a:rPr lang="en-IN" b="1" dirty="0">
+                  <a:solidFill>
+                    <a:schemeClr val="bg1"/>
+                  </a:solidFill>
+                </a:rPr>
+                <a:t>HANA DB</a:t>
+              </a:r>
+              <a:endParaRPr lang="en-US" b="1" dirty="0">
+                <a:solidFill>
+                  <a:schemeClr val="bg1"/>
+                </a:solidFill>
+              </a:endParaRPr>
+            </a:p>
+          </p:txBody>
+        </p:sp>
+        <p:sp>
+          <p:nvSpPr>
+            <p:cNvPr id="22" name="Arrow: Down 21">
+              <a:extLst>
+                <a:ext uri="{FF2B5EF4-FFF2-40B4-BE49-F238E27FC236}">
+                  <a16:creationId xmlns:a16="http://schemas.microsoft.com/office/drawing/2014/main" id="{BAEF14A2-0B6F-6231-0668-65F210E82DE9}"/>
+                </a:ext>
+              </a:extLst>
+            </p:cNvPr>
+            <p:cNvSpPr/>
+            <p:nvPr/>
+          </p:nvSpPr>
+          <p:spPr>
+            <a:xfrm>
+              <a:off x="5398008" y="4180959"/>
+              <a:ext cx="356616" cy="694944"/>
+            </a:xfrm>
+            <a:prstGeom prst="downArrow">
+              <a:avLst/>
+            </a:prstGeom>
+            <a:solidFill>
+              <a:schemeClr val="accent3">
+                <a:lumMod val="60000"/>
+                <a:lumOff val="40000"/>
+              </a:schemeClr>
+            </a:solidFill>
+            <a:ln>
+              <a:noFill/>
+            </a:ln>
+          </p:spPr>
+          <p:style>
+            <a:lnRef idx="2">
+              <a:schemeClr val="accent6">
+                <a:shade val="15000"/>
+              </a:schemeClr>
+            </a:lnRef>
+            <a:fillRef idx="1">
+              <a:schemeClr val="accent6"/>
+            </a:fillRef>
+            <a:effectRef idx="0">
+              <a:schemeClr val="accent6"/>
+            </a:effectRef>
+            <a:fontRef idx="minor">
+              <a:schemeClr val="lt1"/>
+            </a:fontRef>
+          </p:style>
+          <p:txBody>
+            <a:bodyPr rtlCol="0" anchor="ctr"/>
+            <a:lstStyle/>
+            <a:p>
+              <a:pPr algn="ctr"/>
+              <a:endParaRPr lang="en-US"/>
+            </a:p>
+          </p:txBody>
+        </p:sp>
+        <p:sp>
+          <p:nvSpPr>
+            <p:cNvPr id="23" name="Arrow: Down 22">
+              <a:extLst>
+                <a:ext uri="{FF2B5EF4-FFF2-40B4-BE49-F238E27FC236}">
+                  <a16:creationId xmlns:a16="http://schemas.microsoft.com/office/drawing/2014/main" id="{B5963A20-7B86-E136-2C9E-6D9F5C4FB7BB}"/>
+                </a:ext>
+              </a:extLst>
+            </p:cNvPr>
+            <p:cNvSpPr/>
+            <p:nvPr/>
+          </p:nvSpPr>
+          <p:spPr>
+            <a:xfrm rot="10800000">
+              <a:off x="6016753" y="4180959"/>
+              <a:ext cx="356616" cy="694944"/>
+            </a:xfrm>
+            <a:prstGeom prst="downArrow">
+              <a:avLst/>
+            </a:prstGeom>
+            <a:solidFill>
+              <a:schemeClr val="accent3">
+                <a:lumMod val="60000"/>
+                <a:lumOff val="40000"/>
+              </a:schemeClr>
+            </a:solidFill>
+            <a:ln>
+              <a:noFill/>
+            </a:ln>
+          </p:spPr>
+          <p:style>
+            <a:lnRef idx="2">
+              <a:schemeClr val="accent6">
+                <a:shade val="15000"/>
+              </a:schemeClr>
+            </a:lnRef>
+            <a:fillRef idx="1">
+              <a:schemeClr val="accent6"/>
+            </a:fillRef>
+            <a:effectRef idx="0">
+              <a:schemeClr val="accent6"/>
+            </a:effectRef>
+            <a:fontRef idx="minor">
+              <a:schemeClr val="lt1"/>
+            </a:fontRef>
+          </p:style>
+          <p:txBody>
+            <a:bodyPr rtlCol="0" anchor="ctr"/>
+            <a:lstStyle/>
+            <a:p>
+              <a:pPr algn="ctr"/>
+              <a:endParaRPr lang="en-US"/>
+            </a:p>
+          </p:txBody>
+        </p:sp>
+        <p:cxnSp>
+          <p:nvCxnSpPr>
+            <p:cNvPr id="25" name="Straight Arrow Connector 24">
+              <a:extLst>
+                <a:ext uri="{FF2B5EF4-FFF2-40B4-BE49-F238E27FC236}">
+                  <a16:creationId xmlns:a16="http://schemas.microsoft.com/office/drawing/2014/main" id="{46FD9DB9-707C-F445-2FCB-72C27F4B9BFD}"/>
+                </a:ext>
+              </a:extLst>
+            </p:cNvPr>
+            <p:cNvCxnSpPr>
+              <a:cxnSpLocks/>
+              <a:stCxn id="10" idx="3"/>
+              <a:endCxn id="8" idx="1"/>
+            </p:cNvCxnSpPr>
+            <p:nvPr/>
+          </p:nvCxnSpPr>
+          <p:spPr>
+            <a:xfrm>
+              <a:off x="7513097" y="3194110"/>
+              <a:ext cx="1341349" cy="0"/>
+            </a:xfrm>
+            <a:prstGeom prst="straightConnector1">
+              <a:avLst/>
+            </a:prstGeom>
+            <a:ln>
+              <a:headEnd type="triangle"/>
+              <a:tailEnd type="triangle"/>
+            </a:ln>
+          </p:spPr>
+          <p:style>
+            <a:lnRef idx="2">
+              <a:schemeClr val="accent2"/>
+            </a:lnRef>
+            <a:fillRef idx="0">
+              <a:schemeClr val="accent2"/>
+            </a:fillRef>
+            <a:effectRef idx="1">
+              <a:schemeClr val="accent2"/>
+            </a:effectRef>
+            <a:fontRef idx="minor">
+              <a:schemeClr val="tx1"/>
+            </a:fontRef>
+          </p:style>
+        </p:cxnSp>
+        <p:cxnSp>
+          <p:nvCxnSpPr>
+            <p:cNvPr id="26" name="Straight Arrow Connector 25">
+              <a:extLst>
+                <a:ext uri="{FF2B5EF4-FFF2-40B4-BE49-F238E27FC236}">
+                  <a16:creationId xmlns:a16="http://schemas.microsoft.com/office/drawing/2014/main" id="{16AC50D6-A0D6-0EC9-B716-64D0E797036A}"/>
+                </a:ext>
+              </a:extLst>
+            </p:cNvPr>
+            <p:cNvCxnSpPr>
+              <a:cxnSpLocks/>
+              <a:stCxn id="10" idx="0"/>
+              <a:endCxn id="18" idx="1"/>
+            </p:cNvCxnSpPr>
+            <p:nvPr/>
+          </p:nvCxnSpPr>
+          <p:spPr>
+            <a:xfrm flipV="1">
+              <a:off x="5859515" y="1667448"/>
+              <a:ext cx="0" cy="692976"/>
+            </a:xfrm>
+            <a:prstGeom prst="straightConnector1">
+              <a:avLst/>
+            </a:prstGeom>
+            <a:ln>
+              <a:headEnd type="triangle"/>
+              <a:tailEnd type="triangle"/>
+            </a:ln>
+          </p:spPr>
+          <p:style>
+            <a:lnRef idx="2">
+              <a:schemeClr val="accent2"/>
+            </a:lnRef>
+            <a:fillRef idx="0">
+              <a:schemeClr val="accent2"/>
+            </a:fillRef>
+            <a:effectRef idx="1">
+              <a:schemeClr val="accent2"/>
+            </a:effectRef>
+            <a:fontRef idx="minor">
+              <a:schemeClr val="tx1"/>
+            </a:fontRef>
+          </p:style>
+        </p:cxnSp>
+        <p:sp>
+          <p:nvSpPr>
+            <p:cNvPr id="35" name="Arrow: Right 34">
+              <a:extLst>
+                <a:ext uri="{FF2B5EF4-FFF2-40B4-BE49-F238E27FC236}">
+                  <a16:creationId xmlns:a16="http://schemas.microsoft.com/office/drawing/2014/main" id="{96BB7CDF-5C72-31E1-1A4A-94B9C36FBBAA}"/>
+                </a:ext>
+              </a:extLst>
+            </p:cNvPr>
+            <p:cNvSpPr/>
+            <p:nvPr/>
+          </p:nvSpPr>
+          <p:spPr>
+            <a:xfrm>
+              <a:off x="2821002" y="2868596"/>
+              <a:ext cx="1156638" cy="264034"/>
+            </a:xfrm>
+            <a:prstGeom prst="rightArrow">
+              <a:avLst/>
+            </a:prstGeom>
+            <a:solidFill>
+              <a:schemeClr val="accent3">
+                <a:lumMod val="60000"/>
+                <a:lumOff val="40000"/>
+              </a:schemeClr>
+            </a:solidFill>
+            <a:ln>
+              <a:noFill/>
+            </a:ln>
+          </p:spPr>
+          <p:style>
+            <a:lnRef idx="2">
+              <a:schemeClr val="accent2">
+                <a:shade val="15000"/>
+              </a:schemeClr>
+            </a:lnRef>
+            <a:fillRef idx="1">
+              <a:schemeClr val="accent2"/>
+            </a:fillRef>
+            <a:effectRef idx="0">
+              <a:schemeClr val="accent2"/>
+            </a:effectRef>
+            <a:fontRef idx="minor">
+              <a:schemeClr val="lt1"/>
+            </a:fontRef>
+          </p:style>
+          <p:txBody>
+            <a:bodyPr rtlCol="0" anchor="ctr"/>
+            <a:lstStyle/>
+            <a:p>
+              <a:pPr algn="ctr"/>
+              <a:endParaRPr lang="en-US"/>
+            </a:p>
+          </p:txBody>
+        </p:sp>
+        <p:sp>
+          <p:nvSpPr>
+            <p:cNvPr id="36" name="Arrow: Right 35">
+              <a:extLst>
+                <a:ext uri="{FF2B5EF4-FFF2-40B4-BE49-F238E27FC236}">
+                  <a16:creationId xmlns:a16="http://schemas.microsoft.com/office/drawing/2014/main" id="{BE8BF22A-1162-1371-AF10-2A4AEB5D0711}"/>
+                </a:ext>
+              </a:extLst>
+            </p:cNvPr>
+            <p:cNvSpPr/>
+            <p:nvPr/>
+          </p:nvSpPr>
+          <p:spPr>
+            <a:xfrm rot="10800000">
+              <a:off x="2805306" y="3285030"/>
+              <a:ext cx="1156639" cy="264034"/>
+            </a:xfrm>
+            <a:prstGeom prst="rightArrow">
+              <a:avLst/>
+            </a:prstGeom>
+            <a:solidFill>
+              <a:schemeClr val="accent3">
+                <a:lumMod val="60000"/>
+                <a:lumOff val="40000"/>
+              </a:schemeClr>
+            </a:solidFill>
+            <a:ln>
+              <a:noFill/>
+            </a:ln>
+          </p:spPr>
+          <p:style>
+            <a:lnRef idx="2">
+              <a:schemeClr val="accent2">
+                <a:shade val="15000"/>
+              </a:schemeClr>
+            </a:lnRef>
+            <a:fillRef idx="1">
+              <a:schemeClr val="accent2"/>
+            </a:fillRef>
+            <a:effectRef idx="0">
+              <a:schemeClr val="accent2"/>
+            </a:effectRef>
+            <a:fontRef idx="minor">
+              <a:schemeClr val="lt1"/>
+            </a:fontRef>
+          </p:style>
+          <p:txBody>
+            <a:bodyPr rtlCol="0" anchor="ctr"/>
+            <a:lstStyle/>
+            <a:p>
+              <a:pPr algn="ctr"/>
+              <a:endParaRPr lang="en-US"/>
+            </a:p>
+          </p:txBody>
+        </p:sp>
+      </p:grpSp>
+      <p:sp>
+        <p:nvSpPr>
+          <p:cNvPr id="57" name="TextBox 56">
+            <a:extLst>
+              <a:ext uri="{FF2B5EF4-FFF2-40B4-BE49-F238E27FC236}">
+                <a16:creationId xmlns:a16="http://schemas.microsoft.com/office/drawing/2014/main" id="{07A8A575-54DE-EF95-8F6C-FE08E89B2DFD}"/>
+              </a:ext>
+            </a:extLst>
+          </p:cNvPr>
+          <p:cNvSpPr txBox="1"/>
+          <p:nvPr/>
+        </p:nvSpPr>
+        <p:spPr>
+          <a:xfrm>
+            <a:off x="7147337" y="4453531"/>
+            <a:ext cx="4867879" cy="2246769"/>
+          </a:xfrm>
+          <a:prstGeom prst="rect">
+            <a:avLst/>
+          </a:prstGeom>
+          <a:noFill/>
+        </p:spPr>
+        <p:txBody>
+          <a:bodyPr wrap="square">
+            <a:spAutoFit/>
+          </a:bodyPr>
+          <a:lstStyle/>
+          <a:p>
+            <a:endParaRPr lang="en-US" sz="1400" dirty="0">
+              <a:highlight>
+                <a:srgbClr val="FFFF00"/>
+              </a:highlight>
+              <a:hlinkClick r:id="rId2">
+                <a:extLst>
+                  <a:ext uri="{A12FA001-AC4F-418D-AE19-62706E023703}">
+                    <ahyp:hlinkClr xmlns:ahyp="http://schemas.microsoft.com/office/drawing/2018/hyperlinkcolor" val="tx"/>
+                  </a:ext>
+                </a:extLst>
+              </a:hlinkClick>
+            </a:endParaRPr>
+          </a:p>
+          <a:p>
+            <a:r>
+              <a:rPr lang="en-US" sz="1400" b="1" dirty="0">
+                <a:highlight>
+                  <a:srgbClr val="FFFF00"/>
+                </a:highlight>
+              </a:rPr>
+              <a:t>Microsoft provided free </a:t>
+            </a:r>
+            <a:r>
+              <a:rPr lang="en-US" sz="1400" b="1" dirty="0" err="1">
+                <a:highlight>
+                  <a:srgbClr val="FFFF00"/>
+                </a:highlight>
+              </a:rPr>
+              <a:t>api</a:t>
+            </a:r>
+            <a:r>
+              <a:rPr lang="en-US" sz="1400" b="1" dirty="0">
+                <a:highlight>
+                  <a:srgbClr val="FFFF00"/>
+                </a:highlight>
+              </a:rPr>
+              <a:t> for testing purpose Northwind</a:t>
+            </a:r>
+          </a:p>
+          <a:p>
+            <a:endParaRPr lang="en-US" sz="1400" dirty="0">
+              <a:highlight>
+                <a:srgbClr val="FFFF00"/>
+              </a:highlight>
+              <a:hlinkClick r:id="rId2">
+                <a:extLst>
+                  <a:ext uri="{A12FA001-AC4F-418D-AE19-62706E023703}">
+                    <ahyp:hlinkClr xmlns:ahyp="http://schemas.microsoft.com/office/drawing/2018/hyperlinkcolor" val="tx"/>
+                  </a:ext>
+                </a:extLst>
+              </a:hlinkClick>
+            </a:endParaRPr>
+          </a:p>
+          <a:p>
+            <a:endParaRPr lang="en-US" sz="1400" dirty="0">
+              <a:highlight>
+                <a:srgbClr val="FFFF00"/>
+              </a:highlight>
+              <a:hlinkClick r:id="rId2">
+                <a:extLst>
+                  <a:ext uri="{A12FA001-AC4F-418D-AE19-62706E023703}">
+                    <ahyp:hlinkClr xmlns:ahyp="http://schemas.microsoft.com/office/drawing/2018/hyperlinkcolor" val="tx"/>
+                  </a:ext>
+                </a:extLst>
+              </a:hlinkClick>
+            </a:endParaRPr>
+          </a:p>
+          <a:p>
+            <a:r>
+              <a:rPr lang="en-US" sz="1400" dirty="0">
+                <a:highlight>
+                  <a:srgbClr val="FFFF00"/>
+                </a:highlight>
+                <a:hlinkClick r:id="rId2">
+                  <a:extLst>
+                    <a:ext uri="{A12FA001-AC4F-418D-AE19-62706E023703}">
+                      <ahyp:hlinkClr xmlns:ahyp="http://schemas.microsoft.com/office/drawing/2018/hyperlinkcolor" val="tx"/>
+                    </a:ext>
+                  </a:extLst>
+                </a:hlinkClick>
+              </a:rPr>
+              <a:t>https://services.odata.org/</a:t>
+            </a:r>
+            <a:endParaRPr lang="en-US" sz="1400" dirty="0">
+              <a:highlight>
+                <a:srgbClr val="FFFF00"/>
+              </a:highlight>
+            </a:endParaRPr>
+          </a:p>
+          <a:p>
+            <a:r>
+              <a:rPr lang="en-US" sz="1400" dirty="0">
+                <a:highlight>
+                  <a:srgbClr val="FFFF00"/>
+                </a:highlight>
+                <a:hlinkClick r:id="rId3">
+                  <a:extLst>
+                    <a:ext uri="{A12FA001-AC4F-418D-AE19-62706E023703}">
+                      <ahyp:hlinkClr xmlns:ahyp="http://schemas.microsoft.com/office/drawing/2018/hyperlinkcolor" val="tx"/>
+                    </a:ext>
+                  </a:extLst>
+                </a:hlinkClick>
+              </a:rPr>
+              <a:t>https://services.odata.org/V3/OData/OData.svc/</a:t>
+            </a:r>
+            <a:endParaRPr lang="en-US" sz="1400" dirty="0">
+              <a:highlight>
+                <a:srgbClr val="FFFF00"/>
+              </a:highlight>
+            </a:endParaRPr>
+          </a:p>
+          <a:p>
+            <a:r>
+              <a:rPr lang="en-US" sz="1400" dirty="0">
+                <a:highlight>
+                  <a:srgbClr val="FFFF00"/>
+                </a:highlight>
+                <a:hlinkClick r:id="rId4">
+                  <a:extLst>
+                    <a:ext uri="{A12FA001-AC4F-418D-AE19-62706E023703}">
+                      <ahyp:hlinkClr xmlns:ahyp="http://schemas.microsoft.com/office/drawing/2018/hyperlinkcolor" val="tx"/>
+                    </a:ext>
+                  </a:extLst>
+                </a:hlinkClick>
+              </a:rPr>
+              <a:t>https://services.odata.org/V3/Northwind/Northwind.svc/</a:t>
+            </a:r>
+            <a:endParaRPr lang="en-US" sz="1400" dirty="0">
+              <a:highlight>
+                <a:srgbClr val="FFFF00"/>
+              </a:highlight>
+            </a:endParaRPr>
+          </a:p>
+          <a:p>
+            <a:endParaRPr lang="en-US" sz="1400" dirty="0">
+              <a:highlight>
+                <a:srgbClr val="FFFF00"/>
+              </a:highlight>
+            </a:endParaRPr>
+          </a:p>
+          <a:p>
+            <a:endParaRPr lang="en-US" sz="1400" dirty="0"/>
+          </a:p>
+          <a:p>
+            <a:endParaRPr lang="en-US" sz="1400" dirty="0"/>
+          </a:p>
+        </p:txBody>
+      </p:sp>
+    </p:spTree>
+    <p:extLst>
+      <p:ext uri="{BB962C8B-B14F-4D97-AF65-F5344CB8AC3E}">
+        <p14:creationId xmlns:p14="http://schemas.microsoft.com/office/powerpoint/2010/main" val="252933406"/>
+      </p:ext>
+    </p:extLst>
+  </p:cSld>
+  <p:clrMapOvr>
+    <a:masterClrMapping/>
+  </p:clrMapOvr>
+</p:sld>
+</file>
+
 <file path=ppt/theme/theme1.xml><?xml version="1.0" encoding="utf-8"?>
 <a:theme xmlns:a="http://schemas.openxmlformats.org/drawingml/2006/main" name="Office Theme">
   <a:themeElements>

--- a/CAPM-DAY-10/CAPM-10.pptx
+++ b/CAPM-DAY-10/CAPM-10.pptx
@@ -8055,8 +8055,8 @@
         </p:nvGrpSpPr>
         <p:grpSpPr>
           <a:xfrm>
-            <a:off x="481509" y="1304986"/>
-            <a:ext cx="10595687" cy="4858573"/>
+            <a:off x="452590" y="1244237"/>
+            <a:ext cx="11286819" cy="5175486"/>
             <a:chOff x="847269" y="1035877"/>
             <a:chExt cx="10595687" cy="4858573"/>
           </a:xfrm>
@@ -8806,182 +8806,6 @@
           </p:txBody>
         </p:sp>
       </p:grpSp>
-      <p:sp>
-        <p:nvSpPr>
-          <p:cNvPr id="57" name="TextBox 56">
-            <a:extLst>
-              <a:ext uri="{FF2B5EF4-FFF2-40B4-BE49-F238E27FC236}">
-                <a16:creationId xmlns:a16="http://schemas.microsoft.com/office/drawing/2014/main" id="{07A8A575-54DE-EF95-8F6C-FE08E89B2DFD}"/>
-              </a:ext>
-            </a:extLst>
-          </p:cNvPr>
-          <p:cNvSpPr txBox="1"/>
-          <p:nvPr/>
-        </p:nvSpPr>
-        <p:spPr>
-          <a:xfrm>
-            <a:off x="7147337" y="4453531"/>
-            <a:ext cx="4867879" cy="2246769"/>
-          </a:xfrm>
-          <a:prstGeom prst="rect">
-            <a:avLst/>
-          </a:prstGeom>
-          <a:noFill/>
-        </p:spPr>
-        <p:txBody>
-          <a:bodyPr wrap="square">
-            <a:spAutoFit/>
-          </a:bodyPr>
-          <a:lstStyle/>
-          <a:p>
-            <a:endParaRPr lang="en-US" sz="1400" dirty="0">
-              <a:highlight>
-                <a:srgbClr val="FFFF00"/>
-              </a:highlight>
-              <a:hlinkClick r:id="rId2">
-                <a:extLst>
-                  <a:ext uri="{A12FA001-AC4F-418D-AE19-62706E023703}">
-                    <ahyp:hlinkClr xmlns:ahyp="http://schemas.microsoft.com/office/drawing/2018/hyperlinkcolor" val="tx"/>
-                  </a:ext>
-                </a:extLst>
-              </a:hlinkClick>
-            </a:endParaRPr>
-          </a:p>
-          <a:p>
-            <a:r>
-              <a:rPr lang="en-US" sz="1400" b="1" dirty="0">
-                <a:highlight>
-                  <a:srgbClr val="FFFF00"/>
-                </a:highlight>
-              </a:rPr>
-              <a:t>Microsoft provided free </a:t>
-            </a:r>
-            <a:r>
-              <a:rPr lang="en-US" sz="1400" b="1" dirty="0" err="1">
-                <a:highlight>
-                  <a:srgbClr val="FFFF00"/>
-                </a:highlight>
-              </a:rPr>
-              <a:t>api</a:t>
-            </a:r>
-            <a:r>
-              <a:rPr lang="en-US" sz="1400" b="1" dirty="0">
-                <a:highlight>
-                  <a:srgbClr val="FFFF00"/>
-                </a:highlight>
-              </a:rPr>
-              <a:t> for testing purpose Northwind</a:t>
-            </a:r>
-          </a:p>
-          <a:p>
-            <a:endParaRPr lang="en-US" sz="1400" dirty="0">
-              <a:highlight>
-                <a:srgbClr val="FFFF00"/>
-              </a:highlight>
-              <a:hlinkClick r:id="rId2">
-                <a:extLst>
-                  <a:ext uri="{A12FA001-AC4F-418D-AE19-62706E023703}">
-                    <ahyp:hlinkClr xmlns:ahyp="http://schemas.microsoft.com/office/drawing/2018/hyperlinkcolor" val="tx"/>
-                  </a:ext>
-                </a:extLst>
-              </a:hlinkClick>
-            </a:endParaRPr>
-          </a:p>
-          <a:p>
-            <a:endParaRPr lang="en-US" sz="1400" dirty="0">
-              <a:highlight>
-                <a:srgbClr val="FFFF00"/>
-              </a:highlight>
-              <a:hlinkClick r:id="rId2">
-                <a:extLst>
-                  <a:ext uri="{A12FA001-AC4F-418D-AE19-62706E023703}">
-                    <ahyp:hlinkClr xmlns:ahyp="http://schemas.microsoft.com/office/drawing/2018/hyperlinkcolor" val="tx"/>
-                  </a:ext>
-                </a:extLst>
-              </a:hlinkClick>
-            </a:endParaRPr>
-          </a:p>
-          <a:p>
-            <a:r>
-              <a:rPr lang="en-US" sz="1400" dirty="0">
-                <a:highlight>
-                  <a:srgbClr val="FFFF00"/>
-                </a:highlight>
-                <a:hlinkClick r:id="rId2">
-                  <a:extLst>
-                    <a:ext uri="{A12FA001-AC4F-418D-AE19-62706E023703}">
-                      <ahyp:hlinkClr xmlns:ahyp="http://schemas.microsoft.com/office/drawing/2018/hyperlinkcolor" val="tx"/>
-                    </a:ext>
-                  </a:extLst>
-                </a:hlinkClick>
-              </a:rPr>
-              <a:t>https://services.odata.org/</a:t>
-            </a:r>
-            <a:endParaRPr lang="en-US" sz="1400" dirty="0">
-              <a:highlight>
-                <a:srgbClr val="FFFF00"/>
-              </a:highlight>
-            </a:endParaRPr>
-          </a:p>
-          <a:p>
-            <a:r>
-              <a:rPr lang="en-US" sz="1400" dirty="0">
-                <a:highlight>
-                  <a:srgbClr val="FFFF00"/>
-                </a:highlight>
-                <a:hlinkClick r:id="rId3">
-                  <a:extLst>
-                    <a:ext uri="{A12FA001-AC4F-418D-AE19-62706E023703}">
-                      <ahyp:hlinkClr xmlns:ahyp="http://schemas.microsoft.com/office/drawing/2018/hyperlinkcolor" val="tx"/>
-                    </a:ext>
-                  </a:extLst>
-                </a:hlinkClick>
-              </a:rPr>
-              <a:t>https://services.odata.org/V3/OData/OData.svc/</a:t>
-            </a:r>
-            <a:endParaRPr lang="en-US" sz="1400" dirty="0">
-              <a:highlight>
-                <a:srgbClr val="FFFF00"/>
-              </a:highlight>
-            </a:endParaRPr>
-          </a:p>
-          <a:p>
-            <a:r>
-              <a:rPr lang="en-US" sz="1400" dirty="0">
-                <a:highlight>
-                  <a:srgbClr val="FFFF00"/>
-                </a:highlight>
-                <a:hlinkClick r:id="rId4">
-                  <a:extLst>
-                    <a:ext uri="{A12FA001-AC4F-418D-AE19-62706E023703}">
-                      <ahyp:hlinkClr xmlns:ahyp="http://schemas.microsoft.com/office/drawing/2018/hyperlinkcolor" val="tx"/>
-                    </a:ext>
-                  </a:extLst>
-                </a:hlinkClick>
-              </a:rPr>
-              <a:t>https://services.odata.org/V3/Northwind/Northwind.svc/</a:t>
-            </a:r>
-            <a:endParaRPr lang="en-US" sz="1400" dirty="0">
-              <a:highlight>
-                <a:srgbClr val="FFFF00"/>
-              </a:highlight>
-            </a:endParaRPr>
-          </a:p>
-          <a:p>
-            <a:endParaRPr lang="en-US" sz="1400" dirty="0">
-              <a:highlight>
-                <a:srgbClr val="FFFF00"/>
-              </a:highlight>
-            </a:endParaRPr>
-          </a:p>
-          <a:p>
-            <a:endParaRPr lang="en-US" sz="1400" dirty="0"/>
-          </a:p>
-          <a:p>
-            <a:endParaRPr lang="en-US" sz="1400" dirty="0"/>
-          </a:p>
-        </p:txBody>
-      </p:sp>
     </p:spTree>
     <p:extLst>
       <p:ext uri="{BB962C8B-B14F-4D97-AF65-F5344CB8AC3E}">
